--- a/static/img/products/s2e_module/WIZ500SR-RP/HW/Document/WIZ500SR-RP Photo.pptx
+++ b/static/img/products/s2e_module/WIZ500SR-RP/HW/Document/WIZ500SR-RP Photo.pptx
@@ -281,7 +281,7 @@
           <a:p>
             <a:fld id="{1B574E8A-811D-4BEA-87EC-F08DC1023EA6}" type="datetimeFigureOut">
               <a:rPr lang="ko-KR" altLang="en-US" smtClean="0"/>
-              <a:t>2022-05-18</a:t>
+              <a:t>2022-05-19</a:t>
             </a:fld>
             <a:endParaRPr lang="ko-KR" altLang="en-US"/>
           </a:p>
@@ -451,7 +451,7 @@
           <a:p>
             <a:fld id="{1B574E8A-811D-4BEA-87EC-F08DC1023EA6}" type="datetimeFigureOut">
               <a:rPr lang="ko-KR" altLang="en-US" smtClean="0"/>
-              <a:t>2022-05-18</a:t>
+              <a:t>2022-05-19</a:t>
             </a:fld>
             <a:endParaRPr lang="ko-KR" altLang="en-US"/>
           </a:p>
@@ -631,7 +631,7 @@
           <a:p>
             <a:fld id="{1B574E8A-811D-4BEA-87EC-F08DC1023EA6}" type="datetimeFigureOut">
               <a:rPr lang="ko-KR" altLang="en-US" smtClean="0"/>
-              <a:t>2022-05-18</a:t>
+              <a:t>2022-05-19</a:t>
             </a:fld>
             <a:endParaRPr lang="ko-KR" altLang="en-US"/>
           </a:p>
@@ -801,7 +801,7 @@
           <a:p>
             <a:fld id="{1B574E8A-811D-4BEA-87EC-F08DC1023EA6}" type="datetimeFigureOut">
               <a:rPr lang="ko-KR" altLang="en-US" smtClean="0"/>
-              <a:t>2022-05-18</a:t>
+              <a:t>2022-05-19</a:t>
             </a:fld>
             <a:endParaRPr lang="ko-KR" altLang="en-US"/>
           </a:p>
@@ -1047,7 +1047,7 @@
           <a:p>
             <a:fld id="{1B574E8A-811D-4BEA-87EC-F08DC1023EA6}" type="datetimeFigureOut">
               <a:rPr lang="ko-KR" altLang="en-US" smtClean="0"/>
-              <a:t>2022-05-18</a:t>
+              <a:t>2022-05-19</a:t>
             </a:fld>
             <a:endParaRPr lang="ko-KR" altLang="en-US"/>
           </a:p>
@@ -1279,7 +1279,7 @@
           <a:p>
             <a:fld id="{1B574E8A-811D-4BEA-87EC-F08DC1023EA6}" type="datetimeFigureOut">
               <a:rPr lang="ko-KR" altLang="en-US" smtClean="0"/>
-              <a:t>2022-05-18</a:t>
+              <a:t>2022-05-19</a:t>
             </a:fld>
             <a:endParaRPr lang="ko-KR" altLang="en-US"/>
           </a:p>
@@ -1646,7 +1646,7 @@
           <a:p>
             <a:fld id="{1B574E8A-811D-4BEA-87EC-F08DC1023EA6}" type="datetimeFigureOut">
               <a:rPr lang="ko-KR" altLang="en-US" smtClean="0"/>
-              <a:t>2022-05-18</a:t>
+              <a:t>2022-05-19</a:t>
             </a:fld>
             <a:endParaRPr lang="ko-KR" altLang="en-US"/>
           </a:p>
@@ -1764,7 +1764,7 @@
           <a:p>
             <a:fld id="{1B574E8A-811D-4BEA-87EC-F08DC1023EA6}" type="datetimeFigureOut">
               <a:rPr lang="ko-KR" altLang="en-US" smtClean="0"/>
-              <a:t>2022-05-18</a:t>
+              <a:t>2022-05-19</a:t>
             </a:fld>
             <a:endParaRPr lang="ko-KR" altLang="en-US"/>
           </a:p>
@@ -1859,7 +1859,7 @@
           <a:p>
             <a:fld id="{1B574E8A-811D-4BEA-87EC-F08DC1023EA6}" type="datetimeFigureOut">
               <a:rPr lang="ko-KR" altLang="en-US" smtClean="0"/>
-              <a:t>2022-05-18</a:t>
+              <a:t>2022-05-19</a:t>
             </a:fld>
             <a:endParaRPr lang="ko-KR" altLang="en-US"/>
           </a:p>
@@ -2136,7 +2136,7 @@
           <a:p>
             <a:fld id="{1B574E8A-811D-4BEA-87EC-F08DC1023EA6}" type="datetimeFigureOut">
               <a:rPr lang="ko-KR" altLang="en-US" smtClean="0"/>
-              <a:t>2022-05-18</a:t>
+              <a:t>2022-05-19</a:t>
             </a:fld>
             <a:endParaRPr lang="ko-KR" altLang="en-US"/>
           </a:p>
@@ -2393,7 +2393,7 @@
           <a:p>
             <a:fld id="{1B574E8A-811D-4BEA-87EC-F08DC1023EA6}" type="datetimeFigureOut">
               <a:rPr lang="ko-KR" altLang="en-US" smtClean="0"/>
-              <a:t>2022-05-18</a:t>
+              <a:t>2022-05-19</a:t>
             </a:fld>
             <a:endParaRPr lang="ko-KR" altLang="en-US"/>
           </a:p>
@@ -2606,7 +2606,7 @@
           <a:p>
             <a:fld id="{1B574E8A-811D-4BEA-87EC-F08DC1023EA6}" type="datetimeFigureOut">
               <a:rPr lang="ko-KR" altLang="en-US" smtClean="0"/>
-              <a:t>2022-05-18</a:t>
+              <a:t>2022-05-19</a:t>
             </a:fld>
             <a:endParaRPr lang="ko-KR" altLang="en-US"/>
           </a:p>
@@ -12869,13 +12869,14 @@
           </a:bodyPr>
           <a:lstStyle/>
           <a:p>
+            <a:pPr algn="ctr"/>
             <a:r>
               <a:rPr lang="en-US" altLang="ko-KR" sz="1600" b="1" dirty="0">
                 <a:solidFill>
                   <a:srgbClr val="FFFFFF"/>
                 </a:solidFill>
               </a:rPr>
-              <a:t>BOOT MODE</a:t>
+              <a:t>BOOTSEL</a:t>
             </a:r>
             <a:endParaRPr lang="ko-KR" altLang="en-US" sz="1600" b="1" dirty="0">
               <a:solidFill>
@@ -23415,13 +23416,14 @@
           </a:bodyPr>
           <a:lstStyle/>
           <a:p>
+            <a:pPr algn="ctr"/>
             <a:r>
               <a:rPr lang="en-US" altLang="ko-KR" sz="1600" b="1" dirty="0">
                 <a:solidFill>
                   <a:srgbClr val="FFFFFF"/>
                 </a:solidFill>
               </a:rPr>
-              <a:t>BOOT MODE</a:t>
+              <a:t>BOOTSEL</a:t>
             </a:r>
             <a:endParaRPr lang="ko-KR" altLang="en-US" sz="1600" b="1" dirty="0">
               <a:solidFill>
